--- a/Slides/Wk3Day1-ActivityLifecycle.pptx
+++ b/Slides/Wk3Day1-ActivityLifecycle.pptx
@@ -239,7 +239,7 @@
           <a:p>
             <a:fld id="{59B6F58A-1DC9-9140-A6F1-5CAF629CE03F}" type="datetimeFigureOut">
               <a:rPr lang="en-US" smtClean="0"/>
-              <a:t>4/17/17</a:t>
+              <a:t>1/24/18</a:t>
             </a:fld>
             <a:endParaRPr lang="en-US"/>
           </a:p>
@@ -557,38 +557,17 @@
             </a:r>
             <a:r>
               <a:rPr lang="en-US" baseline="0" dirty="0" smtClean="0"/>
-              <a:t> deeper into the activity lifecycle and we’ll be exploring ways to save and retrieve activity state.</a:t>
-            </a:r>
-          </a:p>
-          <a:p>
-            <a:r>
-              <a:rPr lang="en-US" baseline="0" dirty="0" smtClean="0"/>
-              <a:t>The original play had </a:t>
-            </a:r>
-            <a:r>
-              <a:rPr lang="en-US" baseline="0" dirty="0" err="1" smtClean="0"/>
-              <a:t>ListViews</a:t>
-            </a:r>
-            <a:r>
-              <a:rPr lang="en-US" baseline="0" dirty="0" smtClean="0"/>
-              <a:t> as the topic for this week and the </a:t>
-            </a:r>
-            <a:r>
-              <a:rPr lang="en-US" baseline="0" dirty="0" err="1" smtClean="0"/>
-              <a:t>ActionBar</a:t>
-            </a:r>
-            <a:r>
-              <a:rPr lang="en-US" baseline="0" dirty="0" smtClean="0"/>
-              <a:t> as a topic for week 4. We will cover the </a:t>
-            </a:r>
-            <a:r>
-              <a:rPr lang="en-US" baseline="0" dirty="0" err="1" smtClean="0"/>
-              <a:t>ActionBar</a:t>
-            </a:r>
-            <a:r>
-              <a:rPr lang="en-US" baseline="0" dirty="0" smtClean="0"/>
-              <a:t> in a future week, maybe week 5</a:t>
-            </a:r>
+              <a:t> deeper into the activity lifecycle and we’ll be exploring ways to save and retrieve activity </a:t>
+            </a:r>
+            <a:r>
+              <a:rPr lang="en-US" baseline="0" smtClean="0"/>
+              <a:t>state</a:t>
+            </a:r>
+            <a:r>
+              <a:rPr lang="en-US" baseline="0" smtClean="0"/>
+              <a:t>.</a:t>
+            </a:r>
+            <a:endParaRPr lang="en-US" baseline="0" dirty="0" smtClean="0"/>
           </a:p>
         </p:txBody>
       </p:sp>
@@ -1648,7 +1627,7 @@
           <a:p>
             <a:fld id="{7CE38E4D-051A-41E1-86A4-E56916468FD0}" type="datetimeFigureOut">
               <a:rPr lang="en-US" smtClean="0"/>
-              <a:t>4/17/17</a:t>
+              <a:t>1/24/18</a:t>
             </a:fld>
             <a:endParaRPr lang="en-US"/>
           </a:p>
@@ -1813,7 +1792,7 @@
           <a:p>
             <a:fld id="{7CE38E4D-051A-41E1-86A4-E56916468FD0}" type="datetimeFigureOut">
               <a:rPr lang="en-US" smtClean="0"/>
-              <a:t>4/17/17</a:t>
+              <a:t>1/24/18</a:t>
             </a:fld>
             <a:endParaRPr lang="en-US"/>
           </a:p>
@@ -1988,7 +1967,7 @@
           <a:p>
             <a:fld id="{7CE38E4D-051A-41E1-86A4-E56916468FD0}" type="datetimeFigureOut">
               <a:rPr lang="en-US" smtClean="0"/>
-              <a:t>4/17/17</a:t>
+              <a:t>1/24/18</a:t>
             </a:fld>
             <a:endParaRPr lang="en-US"/>
           </a:p>
@@ -2153,7 +2132,7 @@
           <a:p>
             <a:fld id="{7CE38E4D-051A-41E1-86A4-E56916468FD0}" type="datetimeFigureOut">
               <a:rPr lang="en-US" smtClean="0"/>
-              <a:t>4/17/17</a:t>
+              <a:t>1/24/18</a:t>
             </a:fld>
             <a:endParaRPr lang="en-US"/>
           </a:p>
@@ -2392,7 +2371,7 @@
           <a:p>
             <a:fld id="{7CE38E4D-051A-41E1-86A4-E56916468FD0}" type="datetimeFigureOut">
               <a:rPr lang="en-US" smtClean="0"/>
-              <a:t>4/17/17</a:t>
+              <a:t>1/24/18</a:t>
             </a:fld>
             <a:endParaRPr lang="en-US"/>
           </a:p>
@@ -2675,7 +2654,7 @@
           <a:p>
             <a:fld id="{7CE38E4D-051A-41E1-86A4-E56916468FD0}" type="datetimeFigureOut">
               <a:rPr lang="en-US" smtClean="0"/>
-              <a:t>4/17/17</a:t>
+              <a:t>1/24/18</a:t>
             </a:fld>
             <a:endParaRPr lang="en-US"/>
           </a:p>
@@ -3092,7 +3071,7 @@
           <a:p>
             <a:fld id="{7CE38E4D-051A-41E1-86A4-E56916468FD0}" type="datetimeFigureOut">
               <a:rPr lang="en-US" smtClean="0"/>
-              <a:t>4/17/17</a:t>
+              <a:t>1/24/18</a:t>
             </a:fld>
             <a:endParaRPr lang="en-US"/>
           </a:p>
@@ -3205,7 +3184,7 @@
           <a:p>
             <a:fld id="{7CE38E4D-051A-41E1-86A4-E56916468FD0}" type="datetimeFigureOut">
               <a:rPr lang="en-US" smtClean="0"/>
-              <a:t>4/17/17</a:t>
+              <a:t>1/24/18</a:t>
             </a:fld>
             <a:endParaRPr lang="en-US"/>
           </a:p>
@@ -3295,7 +3274,7 @@
           <a:p>
             <a:fld id="{7CE38E4D-051A-41E1-86A4-E56916468FD0}" type="datetimeFigureOut">
               <a:rPr lang="en-US" smtClean="0"/>
-              <a:t>4/17/17</a:t>
+              <a:t>1/24/18</a:t>
             </a:fld>
             <a:endParaRPr lang="en-US"/>
           </a:p>
@@ -3574,7 +3553,7 @@
           <a:p>
             <a:fld id="{7CE38E4D-051A-41E1-86A4-E56916468FD0}" type="datetimeFigureOut">
               <a:rPr lang="en-US" smtClean="0"/>
-              <a:t>4/17/17</a:t>
+              <a:t>1/24/18</a:t>
             </a:fld>
             <a:endParaRPr lang="en-US"/>
           </a:p>
@@ -3833,7 +3812,7 @@
           <a:p>
             <a:fld id="{7CE38E4D-051A-41E1-86A4-E56916468FD0}" type="datetimeFigureOut">
               <a:rPr lang="en-US" smtClean="0"/>
-              <a:t>4/17/17</a:t>
+              <a:t>1/24/18</a:t>
             </a:fld>
             <a:endParaRPr lang="en-US"/>
           </a:p>
@@ -4041,7 +4020,7 @@
           <a:p>
             <a:fld id="{7CE38E4D-051A-41E1-86A4-E56916468FD0}" type="datetimeFigureOut">
               <a:rPr lang="en-US" smtClean="0"/>
-              <a:t>4/17/17</a:t>
+              <a:t>1/24/18</a:t>
             </a:fld>
             <a:endParaRPr lang="en-US"/>
           </a:p>
@@ -4817,14 +4796,14 @@
             <p:ph sz="half" idx="1"/>
             <p:extLst>
               <p:ext uri="{D42A27DB-BD31-4B8C-83A1-F6EECF244321}">
-                <p14:modId xmlns:p14="http://schemas.microsoft.com/office/powerpoint/2010/main" val="1319357033"/>
+                <p14:modId xmlns:p14="http://schemas.microsoft.com/office/powerpoint/2010/main" val="1978653625"/>
               </p:ext>
             </p:extLst>
           </p:nvPr>
         </p:nvGraphicFramePr>
         <p:xfrm>
           <a:off x="457200" y="2024656"/>
-          <a:ext cx="3811200" cy="4298238"/>
+          <a:ext cx="3811200" cy="4716187"/>
         </p:xfrm>
         <a:graphic>
           <a:graphicData uri="http://schemas.openxmlformats.org/drawingml/2006/table">
@@ -4836,7 +4815,7 @@
                 <a:gridCol w="511701"/>
                 <a:gridCol w="3299499"/>
               </a:tblGrid>
-              <a:tr h="427278">
+              <a:tr h="418507">
                 <a:tc>
                   <a:txBody>
                     <a:bodyPr/>
@@ -5072,11 +5051,11 @@
                       </a:pPr>
                       <a:r>
                         <a:rPr lang="en-US" sz="2800" dirty="0" smtClean="0"/>
-                        <a:t>List</a:t>
+                        <a:t>Adapting to size and orientation:</a:t>
                       </a:r>
                       <a:r>
                         <a:rPr lang="en-US" sz="2800" baseline="0" dirty="0" smtClean="0"/>
-                        <a:t> Views</a:t>
+                        <a:t> Layouts</a:t>
                       </a:r>
                       <a:endParaRPr lang="en-US" sz="2800" dirty="0" smtClean="0"/>
                     </a:p>
@@ -5123,15 +5102,7 @@
                       </a:pPr>
                       <a:r>
                         <a:rPr lang="en-US" sz="2800" dirty="0" smtClean="0"/>
-                        <a:t>App</a:t>
-                      </a:r>
-                      <a:r>
-                        <a:rPr lang="en-US" sz="2800" baseline="0" dirty="0" smtClean="0"/>
-                        <a:t> m</a:t>
-                      </a:r>
-                      <a:r>
-                        <a:rPr lang="en-US" sz="2800" dirty="0" smtClean="0"/>
-                        <a:t>enus</a:t>
+                        <a:t>Fragments</a:t>
                       </a:r>
                     </a:p>
                   </a:txBody>
@@ -5152,14 +5123,14 @@
             <p:ph sz="half" idx="2"/>
             <p:extLst>
               <p:ext uri="{D42A27DB-BD31-4B8C-83A1-F6EECF244321}">
-                <p14:modId xmlns:p14="http://schemas.microsoft.com/office/powerpoint/2010/main" val="2849096039"/>
+                <p14:modId xmlns:p14="http://schemas.microsoft.com/office/powerpoint/2010/main" val="625201648"/>
               </p:ext>
             </p:extLst>
           </p:nvPr>
         </p:nvGraphicFramePr>
         <p:xfrm>
-          <a:off x="4412426" y="2033752"/>
-          <a:ext cx="4274374" cy="4289142"/>
+          <a:off x="4412426" y="2033753"/>
+          <a:ext cx="4274374" cy="4715861"/>
         </p:xfrm>
         <a:graphic>
           <a:graphicData uri="http://schemas.openxmlformats.org/drawingml/2006/table">
@@ -5171,7 +5142,7 @@
                 <a:gridCol w="589196"/>
                 <a:gridCol w="3685178"/>
               </a:tblGrid>
-              <a:tr h="318056">
+              <a:tr h="396222">
                 <a:tc>
                   <a:txBody>
                     <a:bodyPr/>
@@ -5201,7 +5172,7 @@
                   <a:tcPr/>
                 </a:tc>
               </a:tr>
-              <a:tr h="957676">
+              <a:tr h="826113">
                 <a:tc>
                   <a:txBody>
                     <a:bodyPr/>
@@ -5240,14 +5211,19 @@
                       </a:pPr>
                       <a:r>
                         <a:rPr lang="en-US" sz="2800" dirty="0" smtClean="0"/>
-                        <a:t>Adapting to size and orientation: fragments</a:t>
+                        <a:t>List</a:t>
                       </a:r>
+                      <a:r>
+                        <a:rPr lang="en-US" sz="2800" baseline="0" dirty="0" smtClean="0"/>
+                        <a:t> View</a:t>
+                      </a:r>
+                      <a:endParaRPr lang="en-US" sz="2800" dirty="0" smtClean="0"/>
                     </a:p>
                   </a:txBody>
                   <a:tcPr/>
                 </a:tc>
               </a:tr>
-              <a:tr h="525177">
+              <a:tr h="884625">
                 <a:tc>
                   <a:txBody>
                     <a:bodyPr/>
@@ -5293,7 +5269,7 @@
                   <a:tcPr/>
                 </a:tc>
               </a:tr>
-              <a:tr h="957676">
+              <a:tr h="834853">
                 <a:tc>
                   <a:txBody>
                     <a:bodyPr/>
@@ -5332,14 +5308,14 @@
                       </a:pPr>
                       <a:r>
                         <a:rPr lang="en-US" sz="2800" dirty="0" smtClean="0"/>
-                        <a:t>Consuming web services</a:t>
+                        <a:t>Geolocation</a:t>
                       </a:r>
                     </a:p>
                   </a:txBody>
                   <a:tcPr/>
                 </a:tc>
               </a:tr>
-              <a:tr h="525177">
+              <a:tr h="1116821">
                 <a:tc>
                   <a:txBody>
                     <a:bodyPr/>
@@ -5378,14 +5354,22 @@
                       </a:pPr>
                       <a:r>
                         <a:rPr lang="en-US" sz="2800" dirty="0" smtClean="0"/>
-                        <a:t>Geolocation</a:t>
+                        <a:t>Publishing</a:t>
+                      </a:r>
+                      <a:r>
+                        <a:rPr lang="en-US" sz="2800" baseline="0" dirty="0" smtClean="0"/>
+                        <a:t> to </a:t>
+                      </a:r>
+                      <a:r>
+                        <a:rPr lang="en-US" sz="2800" dirty="0" smtClean="0"/>
+                        <a:t>an App Store</a:t>
                       </a:r>
                     </a:p>
                   </a:txBody>
                   <a:tcPr/>
                 </a:tc>
               </a:tr>
-              <a:tr h="957676">
+              <a:tr h="657227">
                 <a:tc>
                   <a:txBody>
                     <a:bodyPr/>
@@ -5424,16 +5408,9 @@
                       </a:pPr>
                       <a:r>
                         <a:rPr lang="en-US" sz="2800" dirty="0" smtClean="0"/>
-                        <a:t>Publishing</a:t>
+                        <a:t>Term Project</a:t>
                       </a:r>
-                      <a:r>
-                        <a:rPr lang="en-US" sz="2800" baseline="0" dirty="0" smtClean="0"/>
-                        <a:t> to </a:t>
-                      </a:r>
-                      <a:r>
-                        <a:rPr lang="en-US" sz="2800" dirty="0" smtClean="0"/>
-                        <a:t>the Google Play Store</a:t>
-                      </a:r>
+                      <a:endParaRPr lang="en-US" sz="2800" dirty="0" smtClean="0"/>
                     </a:p>
                   </a:txBody>
                   <a:tcPr/>
@@ -5466,6 +5443,33 @@
 <file path=ppt/slides/slide3.xml><?xml version="1.0" encoding="utf-8"?>
 <p:sld xmlns:a="http://schemas.openxmlformats.org/drawingml/2006/main" xmlns:r="http://schemas.openxmlformats.org/officeDocument/2006/relationships" xmlns:p="http://schemas.openxmlformats.org/presentationml/2006/main">
   <p:cSld>
+    <p:bg>
+      <p:bgPr>
+        <a:gradFill rotWithShape="1">
+          <a:gsLst>
+            <a:gs pos="0">
+              <a:schemeClr val="bg2"/>
+            </a:gs>
+            <a:gs pos="25000">
+              <a:schemeClr val="tx1"/>
+            </a:gs>
+            <a:gs pos="81000">
+              <a:schemeClr val="tx2"/>
+            </a:gs>
+            <a:gs pos="100000">
+              <a:schemeClr val="bg2">
+                <a:shade val="100000"/>
+                <a:hueMod val="93000"/>
+                <a:satMod val="50000"/>
+                <a:lumMod val="200000"/>
+              </a:schemeClr>
+            </a:gs>
+          </a:gsLst>
+          <a:lin ang="5400000" scaled="0"/>
+        </a:gradFill>
+        <a:effectLst/>
+      </p:bgPr>
+    </p:bg>
     <p:spTree>
       <p:nvGrpSpPr>
         <p:cNvPr id="1" name=""/>
@@ -5503,6 +5507,44 @@
           </a:p>
         </p:txBody>
       </p:sp>
+      <p:sp>
+        <p:nvSpPr>
+          <p:cNvPr id="5" name="TextBox 4"/>
+          <p:cNvSpPr txBox="1"/>
+          <p:nvPr/>
+        </p:nvSpPr>
+        <p:spPr>
+          <a:xfrm>
+            <a:off x="1133398" y="6199168"/>
+            <a:ext cx="6673622" cy="369332"/>
+          </a:xfrm>
+          <a:prstGeom prst="rect">
+            <a:avLst/>
+          </a:prstGeom>
+          <a:noFill/>
+        </p:spPr>
+        <p:txBody>
+          <a:bodyPr wrap="none" rtlCol="0">
+            <a:spAutoFit/>
+          </a:bodyPr>
+          <a:lstStyle/>
+          <a:p>
+            <a:r>
+              <a:rPr lang="en-US" dirty="0" smtClean="0"/>
+              <a:t>From </a:t>
+            </a:r>
+            <a:r>
+              <a:rPr lang="en-US" dirty="0"/>
+              <a:t>http://developer.android.com/training/basics/activity-lifecycle</a:t>
+            </a:r>
+            <a:r>
+              <a:rPr lang="en-US" dirty="0" smtClean="0"/>
+              <a:t>/</a:t>
+            </a:r>
+            <a:endParaRPr lang="en-US" dirty="0"/>
+          </a:p>
+        </p:txBody>
+      </p:sp>
       <p:pic>
         <p:nvPicPr>
           <p:cNvPr id="4" name="Content Placeholder 3"/>
@@ -5525,44 +5567,6 @@
           </a:xfrm>
         </p:spPr>
       </p:pic>
-      <p:sp>
-        <p:nvSpPr>
-          <p:cNvPr id="5" name="TextBox 4"/>
-          <p:cNvSpPr txBox="1"/>
-          <p:nvPr/>
-        </p:nvSpPr>
-        <p:spPr>
-          <a:xfrm>
-            <a:off x="1133398" y="6199168"/>
-            <a:ext cx="6673622" cy="369332"/>
-          </a:xfrm>
-          <a:prstGeom prst="rect">
-            <a:avLst/>
-          </a:prstGeom>
-          <a:noFill/>
-        </p:spPr>
-        <p:txBody>
-          <a:bodyPr wrap="none" rtlCol="0">
-            <a:spAutoFit/>
-          </a:bodyPr>
-          <a:lstStyle/>
-          <a:p>
-            <a:r>
-              <a:rPr lang="en-US" dirty="0" smtClean="0"/>
-              <a:t>From </a:t>
-            </a:r>
-            <a:r>
-              <a:rPr lang="en-US" dirty="0"/>
-              <a:t>http://developer.android.com/training/basics/activity-lifecycle</a:t>
-            </a:r>
-            <a:r>
-              <a:rPr lang="en-US" dirty="0" smtClean="0"/>
-              <a:t>/</a:t>
-            </a:r>
-            <a:endParaRPr lang="en-US" dirty="0"/>
-          </a:p>
-        </p:txBody>
-      </p:sp>
     </p:spTree>
     <p:extLst>
       <p:ext uri="{BB962C8B-B14F-4D97-AF65-F5344CB8AC3E}">
